--- a/Dissertation27:Aug/Presentation Diss.pptx
+++ b/Dissertation27:Aug/Presentation Diss.pptx
@@ -10720,7 +10720,7 @@
             </a:pPr>
             <a:r>
               <a:rPr lang="en-US" b="1" dirty="0"/>
-              <a:t>PREDICTING FIBRE CLASSIFICATION FOR PATIENT AND CONTROL DATASETS USING CLUSTERING ALGORITHMS </a:t>
+              <a:t>PREDICTING FIBRE CLASSIFICATION FOR PATIENT AND CONTROL DATASETS USING CLUSTERING MODELS </a:t>
             </a:r>
             <a:br>
               <a:rPr lang="en-US" dirty="0"/>
@@ -11118,10 +11118,10 @@
       </p:grpSpPr>
       <p:sp useBgFill="1">
         <p:nvSpPr>
-          <p:cNvPr id="11" name="Rectangle 9">
+          <p:cNvPr id="41" name="Rectangle 28">
             <a:extLst>
               <a:ext uri="{FF2B5EF4-FFF2-40B4-BE49-F238E27FC236}">
-                <a16:creationId xmlns:a16="http://schemas.microsoft.com/office/drawing/2014/main" id="{201CC55D-ED54-4C5C-95E6-10947BD1103B}"/>
+                <a16:creationId xmlns:a16="http://schemas.microsoft.com/office/drawing/2014/main" id="{4AC6B390-BC59-4F1D-A0EE-D71A92F0A0B2}"/>
               </a:ext>
               <a:ext uri="{C183D7F6-B498-43B3-948B-1728B52AA6E4}">
                 <adec:decorative xmlns:adec="http://schemas.microsoft.com/office/drawing/2017/decorative" val="1"/>
@@ -11139,10 +11139,10 @@
             </p:extLst>
           </p:nvPr>
         </p:nvSpPr>
-        <p:spPr>
+        <p:spPr bwMode="white">
           <a:xfrm>
             <a:off x="0" y="0"/>
-            <a:ext cx="12191999" cy="6857365"/>
+            <a:ext cx="12192000" cy="6858000"/>
           </a:xfrm>
           <a:prstGeom prst="rect">
             <a:avLst/>
@@ -11169,7 +11169,101 @@
         </p:style>
         <p:txBody>
           <a:bodyPr rtlCol="0" anchor="ctr"/>
-          <a:lstStyle/>
+          <a:lstStyle>
+            <a:defPPr>
+              <a:defRPr lang="en-US"/>
+            </a:defPPr>
+            <a:lvl1pPr marL="0" algn="l" defTabSz="914400" rtl="0" eaLnBrk="1" latinLnBrk="0" hangingPunct="1">
+              <a:defRPr sz="1800" kern="1200">
+                <a:solidFill>
+                  <a:schemeClr val="lt1"/>
+                </a:solidFill>
+                <a:latin typeface="+mn-lt"/>
+                <a:ea typeface="+mn-ea"/>
+                <a:cs typeface="+mn-cs"/>
+              </a:defRPr>
+            </a:lvl1pPr>
+            <a:lvl2pPr marL="457200" algn="l" defTabSz="914400" rtl="0" eaLnBrk="1" latinLnBrk="0" hangingPunct="1">
+              <a:defRPr sz="1800" kern="1200">
+                <a:solidFill>
+                  <a:schemeClr val="lt1"/>
+                </a:solidFill>
+                <a:latin typeface="+mn-lt"/>
+                <a:ea typeface="+mn-ea"/>
+                <a:cs typeface="+mn-cs"/>
+              </a:defRPr>
+            </a:lvl2pPr>
+            <a:lvl3pPr marL="914400" algn="l" defTabSz="914400" rtl="0" eaLnBrk="1" latinLnBrk="0" hangingPunct="1">
+              <a:defRPr sz="1800" kern="1200">
+                <a:solidFill>
+                  <a:schemeClr val="lt1"/>
+                </a:solidFill>
+                <a:latin typeface="+mn-lt"/>
+                <a:ea typeface="+mn-ea"/>
+                <a:cs typeface="+mn-cs"/>
+              </a:defRPr>
+            </a:lvl3pPr>
+            <a:lvl4pPr marL="1371600" algn="l" defTabSz="914400" rtl="0" eaLnBrk="1" latinLnBrk="0" hangingPunct="1">
+              <a:defRPr sz="1800" kern="1200">
+                <a:solidFill>
+                  <a:schemeClr val="lt1"/>
+                </a:solidFill>
+                <a:latin typeface="+mn-lt"/>
+                <a:ea typeface="+mn-ea"/>
+                <a:cs typeface="+mn-cs"/>
+              </a:defRPr>
+            </a:lvl4pPr>
+            <a:lvl5pPr marL="1828800" algn="l" defTabSz="914400" rtl="0" eaLnBrk="1" latinLnBrk="0" hangingPunct="1">
+              <a:defRPr sz="1800" kern="1200">
+                <a:solidFill>
+                  <a:schemeClr val="lt1"/>
+                </a:solidFill>
+                <a:latin typeface="+mn-lt"/>
+                <a:ea typeface="+mn-ea"/>
+                <a:cs typeface="+mn-cs"/>
+              </a:defRPr>
+            </a:lvl5pPr>
+            <a:lvl6pPr marL="2286000" algn="l" defTabSz="914400" rtl="0" eaLnBrk="1" latinLnBrk="0" hangingPunct="1">
+              <a:defRPr sz="1800" kern="1200">
+                <a:solidFill>
+                  <a:schemeClr val="lt1"/>
+                </a:solidFill>
+                <a:latin typeface="+mn-lt"/>
+                <a:ea typeface="+mn-ea"/>
+                <a:cs typeface="+mn-cs"/>
+              </a:defRPr>
+            </a:lvl6pPr>
+            <a:lvl7pPr marL="2743200" algn="l" defTabSz="914400" rtl="0" eaLnBrk="1" latinLnBrk="0" hangingPunct="1">
+              <a:defRPr sz="1800" kern="1200">
+                <a:solidFill>
+                  <a:schemeClr val="lt1"/>
+                </a:solidFill>
+                <a:latin typeface="+mn-lt"/>
+                <a:ea typeface="+mn-ea"/>
+                <a:cs typeface="+mn-cs"/>
+              </a:defRPr>
+            </a:lvl7pPr>
+            <a:lvl8pPr marL="3200400" algn="l" defTabSz="914400" rtl="0" eaLnBrk="1" latinLnBrk="0" hangingPunct="1">
+              <a:defRPr sz="1800" kern="1200">
+                <a:solidFill>
+                  <a:schemeClr val="lt1"/>
+                </a:solidFill>
+                <a:latin typeface="+mn-lt"/>
+                <a:ea typeface="+mn-ea"/>
+                <a:cs typeface="+mn-cs"/>
+              </a:defRPr>
+            </a:lvl8pPr>
+            <a:lvl9pPr marL="3657600" algn="l" defTabSz="914400" rtl="0" eaLnBrk="1" latinLnBrk="0" hangingPunct="1">
+              <a:defRPr sz="1800" kern="1200">
+                <a:solidFill>
+                  <a:schemeClr val="lt1"/>
+                </a:solidFill>
+                <a:latin typeface="+mn-lt"/>
+                <a:ea typeface="+mn-ea"/>
+                <a:cs typeface="+mn-cs"/>
+              </a:defRPr>
+            </a:lvl9pPr>
+          </a:lstStyle>
           <a:p>
             <a:pPr algn="ctr"/>
             <a:endParaRPr lang="en-US"/>
@@ -11178,199 +11272,10 @@
       </p:sp>
       <p:sp>
         <p:nvSpPr>
-          <p:cNvPr id="2" name="Title 1">
+          <p:cNvPr id="42" name="Freeform: Shape 30">
             <a:extLst>
               <a:ext uri="{FF2B5EF4-FFF2-40B4-BE49-F238E27FC236}">
-                <a16:creationId xmlns:a16="http://schemas.microsoft.com/office/drawing/2014/main" id="{494A94AF-2B04-9C40-B311-CC59F907DEBF}"/>
-              </a:ext>
-            </a:extLst>
-          </p:cNvPr>
-          <p:cNvSpPr>
-            <a:spLocks noGrp="1"/>
-          </p:cNvSpPr>
-          <p:nvPr>
-            <p:ph type="title"/>
-          </p:nvPr>
-        </p:nvSpPr>
-        <p:spPr>
-          <a:xfrm>
-            <a:off x="589560" y="856180"/>
-            <a:ext cx="4560584" cy="1128068"/>
-          </a:xfrm>
-        </p:spPr>
-        <p:txBody>
-          <a:bodyPr anchor="ctr">
-            <a:normAutofit/>
-          </a:bodyPr>
-          <a:lstStyle/>
-          <a:p>
-            <a:r>
-              <a:rPr lang="en-US" sz="3700"/>
-              <a:t>Background to the Project	</a:t>
-            </a:r>
-          </a:p>
-        </p:txBody>
-      </p:sp>
-      <p:grpSp>
-        <p:nvGrpSpPr>
-          <p:cNvPr id="15" name="Group 11">
-            <a:extLst>
-              <a:ext uri="{FF2B5EF4-FFF2-40B4-BE49-F238E27FC236}">
-                <a16:creationId xmlns:a16="http://schemas.microsoft.com/office/drawing/2014/main" id="{1DE889C7-FAD6-4397-98E2-05D503484459}"/>
-              </a:ext>
-              <a:ext uri="{C183D7F6-B498-43B3-948B-1728B52AA6E4}">
-                <adec:decorative xmlns:adec="http://schemas.microsoft.com/office/drawing/2017/decorative" val="1"/>
-              </a:ext>
-            </a:extLst>
-          </p:cNvPr>
-          <p:cNvGrpSpPr>
-            <a:grpSpLocks noGrp="1" noUngrp="1" noRot="1" noChangeAspect="1" noMove="1" noResize="1"/>
-          </p:cNvGrpSpPr>
-          <p:nvPr>
-            <p:extLst>
-              <p:ext uri="{386F3935-93C4-4BCD-93E2-E3B085C9AB24}">
-                <p16:designElem xmlns:p16="http://schemas.microsoft.com/office/powerpoint/2015/main" val="1"/>
-              </p:ext>
-            </p:extLst>
-          </p:nvPr>
-        </p:nvGrpSpPr>
-        <p:grpSpPr>
-          <a:xfrm>
-            <a:off x="0" y="1083484"/>
-            <a:ext cx="355196" cy="673460"/>
-            <a:chOff x="0" y="823811"/>
-            <a:chExt cx="355196" cy="673460"/>
-          </a:xfrm>
-        </p:grpSpPr>
-        <p:sp>
-          <p:nvSpPr>
-            <p:cNvPr id="13" name="Rectangle 12">
-              <a:extLst>
-                <a:ext uri="{FF2B5EF4-FFF2-40B4-BE49-F238E27FC236}">
-                  <a16:creationId xmlns:a16="http://schemas.microsoft.com/office/drawing/2014/main" id="{F399A70F-F8CD-4992-9EF5-6CF15472E73F}"/>
-                </a:ext>
-                <a:ext uri="{C183D7F6-B498-43B3-948B-1728B52AA6E4}">
-                  <adec:decorative xmlns:adec="http://schemas.microsoft.com/office/drawing/2017/decorative" val="1"/>
-                </a:ext>
-              </a:extLst>
-            </p:cNvPr>
-            <p:cNvSpPr/>
-            <p:nvPr>
-              <p:extLst>
-                <p:ext uri="{386F3935-93C4-4BCD-93E2-E3B085C9AB24}">
-                  <p16:designElem xmlns:p16="http://schemas.microsoft.com/office/powerpoint/2015/main" val="1"/>
-                </p:ext>
-              </p:extLst>
-            </p:nvPr>
-          </p:nvSpPr>
-          <p:spPr>
-            <a:xfrm>
-              <a:off x="0" y="823811"/>
-              <a:ext cx="87363" cy="673460"/>
-            </a:xfrm>
-            <a:prstGeom prst="rect">
-              <a:avLst/>
-            </a:prstGeom>
-            <a:solidFill>
-              <a:schemeClr val="accent4"/>
-            </a:solidFill>
-            <a:ln>
-              <a:noFill/>
-            </a:ln>
-          </p:spPr>
-          <p:style>
-            <a:lnRef idx="2">
-              <a:schemeClr val="accent1">
-                <a:shade val="50000"/>
-              </a:schemeClr>
-            </a:lnRef>
-            <a:fillRef idx="1">
-              <a:schemeClr val="accent1"/>
-            </a:fillRef>
-            <a:effectRef idx="0">
-              <a:schemeClr val="accent1"/>
-            </a:effectRef>
-            <a:fontRef idx="minor">
-              <a:schemeClr val="lt1"/>
-            </a:fontRef>
-          </p:style>
-          <p:txBody>
-            <a:bodyPr rtlCol="0" anchor="ctr"/>
-            <a:lstStyle/>
-            <a:p>
-              <a:pPr algn="ctr"/>
-              <a:endParaRPr lang="en-US"/>
-            </a:p>
-          </p:txBody>
-        </p:sp>
-        <p:sp>
-          <p:nvSpPr>
-            <p:cNvPr id="17" name="Rectangle 13">
-              <a:extLst>
-                <a:ext uri="{FF2B5EF4-FFF2-40B4-BE49-F238E27FC236}">
-                  <a16:creationId xmlns:a16="http://schemas.microsoft.com/office/drawing/2014/main" id="{48F4FEDC-6D80-458C-A665-075D9B9500FD}"/>
-                </a:ext>
-                <a:ext uri="{C183D7F6-B498-43B3-948B-1728B52AA6E4}">
-                  <adec:decorative xmlns:adec="http://schemas.microsoft.com/office/drawing/2017/decorative" val="1"/>
-                </a:ext>
-              </a:extLst>
-            </p:cNvPr>
-            <p:cNvSpPr/>
-            <p:nvPr>
-              <p:extLst>
-                <p:ext uri="{386F3935-93C4-4BCD-93E2-E3B085C9AB24}">
-                  <p16:designElem xmlns:p16="http://schemas.microsoft.com/office/powerpoint/2015/main" val="1"/>
-                </p:ext>
-              </p:extLst>
-            </p:nvPr>
-          </p:nvSpPr>
-          <p:spPr>
-            <a:xfrm>
-              <a:off x="159341" y="823811"/>
-              <a:ext cx="195855" cy="673460"/>
-            </a:xfrm>
-            <a:prstGeom prst="rect">
-              <a:avLst/>
-            </a:prstGeom>
-            <a:solidFill>
-              <a:schemeClr val="accent4"/>
-            </a:solidFill>
-            <a:ln>
-              <a:noFill/>
-            </a:ln>
-          </p:spPr>
-          <p:style>
-            <a:lnRef idx="2">
-              <a:schemeClr val="accent1">
-                <a:shade val="50000"/>
-              </a:schemeClr>
-            </a:lnRef>
-            <a:fillRef idx="1">
-              <a:schemeClr val="accent1"/>
-            </a:fillRef>
-            <a:effectRef idx="0">
-              <a:schemeClr val="accent1"/>
-            </a:effectRef>
-            <a:fontRef idx="minor">
-              <a:schemeClr val="lt1"/>
-            </a:fontRef>
-          </p:style>
-          <p:txBody>
-            <a:bodyPr rtlCol="0" anchor="ctr"/>
-            <a:lstStyle/>
-            <a:p>
-              <a:pPr algn="ctr"/>
-              <a:endParaRPr lang="en-US"/>
-            </a:p>
-          </p:txBody>
-        </p:sp>
-      </p:grpSp>
-      <p:sp>
-        <p:nvSpPr>
-          <p:cNvPr id="19" name="Rectangle 15">
-            <a:extLst>
-              <a:ext uri="{FF2B5EF4-FFF2-40B4-BE49-F238E27FC236}">
-                <a16:creationId xmlns:a16="http://schemas.microsoft.com/office/drawing/2014/main" id="{3873B707-463F-40B0-8227-E8CC6C67EB25}"/>
+                <a16:creationId xmlns:a16="http://schemas.microsoft.com/office/drawing/2014/main" id="{B6C60D79-16F1-4C4B-B7E3-7634E7069CDE}"/>
               </a:ext>
               <a:ext uri="{C183D7F6-B498-43B3-948B-1728B52AA6E4}">
                 <adec:decorative xmlns:adec="http://schemas.microsoft.com/office/drawing/2017/decorative" val="1"/>
@@ -11389,13 +11294,84 @@
           </p:nvPr>
         </p:nvSpPr>
         <p:spPr>
-          <a:xfrm flipH="1">
-            <a:off x="665085" y="2090569"/>
-            <a:ext cx="4297680" cy="27432"/>
+          <a:xfrm>
+            <a:off x="9519137" y="5486400"/>
+            <a:ext cx="2672863" cy="1371600"/>
           </a:xfrm>
-          <a:prstGeom prst="rect">
+          <a:custGeom>
             <a:avLst/>
-          </a:prstGeom>
+            <a:gdLst>
+              <a:gd name="connsiteX0" fmla="*/ 1721734 w 2672863"/>
+              <a:gd name="connsiteY0" fmla="*/ 0 h 1371600"/>
+              <a:gd name="connsiteX1" fmla="*/ 2564444 w 2672863"/>
+              <a:gd name="connsiteY1" fmla="*/ 213382 h 1371600"/>
+              <a:gd name="connsiteX2" fmla="*/ 2672863 w 2672863"/>
+              <a:gd name="connsiteY2" fmla="*/ 279248 h 1371600"/>
+              <a:gd name="connsiteX3" fmla="*/ 2672863 w 2672863"/>
+              <a:gd name="connsiteY3" fmla="*/ 1371600 h 1371600"/>
+              <a:gd name="connsiteX4" fmla="*/ 0 w 2672863"/>
+              <a:gd name="connsiteY4" fmla="*/ 1371600 h 1371600"/>
+              <a:gd name="connsiteX5" fmla="*/ 33268 w 2672863"/>
+              <a:gd name="connsiteY5" fmla="*/ 1242216 h 1371600"/>
+              <a:gd name="connsiteX6" fmla="*/ 1721734 w 2672863"/>
+              <a:gd name="connsiteY6" fmla="*/ 0 h 1371600"/>
+            </a:gdLst>
+            <a:ahLst/>
+            <a:cxnLst>
+              <a:cxn ang="0">
+                <a:pos x="connsiteX0" y="connsiteY0"/>
+              </a:cxn>
+              <a:cxn ang="0">
+                <a:pos x="connsiteX1" y="connsiteY1"/>
+              </a:cxn>
+              <a:cxn ang="0">
+                <a:pos x="connsiteX2" y="connsiteY2"/>
+              </a:cxn>
+              <a:cxn ang="0">
+                <a:pos x="connsiteX3" y="connsiteY3"/>
+              </a:cxn>
+              <a:cxn ang="0">
+                <a:pos x="connsiteX4" y="connsiteY4"/>
+              </a:cxn>
+              <a:cxn ang="0">
+                <a:pos x="connsiteX5" y="connsiteY5"/>
+              </a:cxn>
+              <a:cxn ang="0">
+                <a:pos x="connsiteX6" y="connsiteY6"/>
+              </a:cxn>
+            </a:cxnLst>
+            <a:rect l="l" t="t" r="r" b="b"/>
+            <a:pathLst>
+              <a:path w="2672863" h="1371600">
+                <a:moveTo>
+                  <a:pt x="1721734" y="0"/>
+                </a:moveTo>
+                <a:cubicBezTo>
+                  <a:pt x="2026863" y="0"/>
+                  <a:pt x="2313937" y="77299"/>
+                  <a:pt x="2564444" y="213382"/>
+                </a:cubicBezTo>
+                <a:lnTo>
+                  <a:pt x="2672863" y="279248"/>
+                </a:lnTo>
+                <a:lnTo>
+                  <a:pt x="2672863" y="1371600"/>
+                </a:lnTo>
+                <a:lnTo>
+                  <a:pt x="0" y="1371600"/>
+                </a:lnTo>
+                <a:lnTo>
+                  <a:pt x="33268" y="1242216"/>
+                </a:lnTo>
+                <a:cubicBezTo>
+                  <a:pt x="257110" y="522539"/>
+                  <a:pt x="928399" y="0"/>
+                  <a:pt x="1721734" y="0"/>
+                </a:cubicBezTo>
+                <a:close/>
+              </a:path>
+            </a:pathLst>
+          </a:custGeom>
           <a:solidFill>
             <a:schemeClr val="accent4"/>
           </a:solidFill>
@@ -11420,11 +11396,142 @@
           </a:fontRef>
         </p:style>
         <p:txBody>
-          <a:bodyPr rtlCol="0" anchor="ctr"/>
+          <a:bodyPr wrap="square" rtlCol="0" anchor="ctr">
+            <a:noAutofit/>
+          </a:bodyPr>
           <a:lstStyle/>
           <a:p>
             <a:pPr algn="ctr"/>
             <a:endParaRPr lang="en-US"/>
+          </a:p>
+        </p:txBody>
+      </p:sp>
+      <p:sp>
+        <p:nvSpPr>
+          <p:cNvPr id="33" name="Arc 32">
+            <a:extLst>
+              <a:ext uri="{FF2B5EF4-FFF2-40B4-BE49-F238E27FC236}">
+                <a16:creationId xmlns:a16="http://schemas.microsoft.com/office/drawing/2014/main" id="{426B127E-6498-4C77-9C9D-4553A5113B80}"/>
+              </a:ext>
+              <a:ext uri="{C183D7F6-B498-43B3-948B-1728B52AA6E4}">
+                <adec:decorative xmlns:adec="http://schemas.microsoft.com/office/drawing/2017/decorative" val="1"/>
+              </a:ext>
+            </a:extLst>
+          </p:cNvPr>
+          <p:cNvSpPr>
+            <a:spLocks noGrp="1" noRot="1" noChangeAspect="1" noMove="1" noResize="1" noEditPoints="1" noAdjustHandles="1" noChangeArrowheads="1" noChangeShapeType="1" noTextEdit="1"/>
+          </p:cNvSpPr>
+          <p:nvPr>
+            <p:extLst>
+              <p:ext uri="{386F3935-93C4-4BCD-93E2-E3B085C9AB24}">
+                <p16:designElem xmlns:p16="http://schemas.microsoft.com/office/powerpoint/2015/main" val="1"/>
+              </p:ext>
+            </p:extLst>
+          </p:nvPr>
+        </p:nvSpPr>
+        <p:spPr>
+          <a:xfrm>
+            <a:off x="4602050" y="650160"/>
+            <a:ext cx="2987899" cy="2987899"/>
+          </a:xfrm>
+          <a:prstGeom prst="arc">
+            <a:avLst>
+              <a:gd name="adj1" fmla="val 14441841"/>
+              <a:gd name="adj2" fmla="val 0"/>
+            </a:avLst>
+          </a:prstGeom>
+          <a:ln w="127000" cap="rnd">
+            <a:solidFill>
+              <a:schemeClr val="accent4"/>
+            </a:solidFill>
+            <a:prstDash val="dash"/>
+            <a:miter lim="800000"/>
+          </a:ln>
+        </p:spPr>
+        <p:style>
+          <a:lnRef idx="1">
+            <a:schemeClr val="accent1"/>
+          </a:lnRef>
+          <a:fillRef idx="0">
+            <a:schemeClr val="accent1"/>
+          </a:fillRef>
+          <a:effectRef idx="0">
+            <a:schemeClr val="accent1"/>
+          </a:effectRef>
+          <a:fontRef idx="minor">
+            <a:schemeClr val="tx1"/>
+          </a:fontRef>
+        </p:style>
+        <p:txBody>
+          <a:bodyPr rtlCol="0" anchor="ctr"/>
+          <a:lstStyle/>
+          <a:p>
+            <a:pPr marL="0" marR="0" lvl="0" indent="0" algn="ctr" defTabSz="914400" rtl="0" eaLnBrk="1" fontAlgn="auto" latinLnBrk="0" hangingPunct="1">
+              <a:lnSpc>
+                <a:spcPct val="100000"/>
+              </a:lnSpc>
+              <a:spcBef>
+                <a:spcPts val="0"/>
+              </a:spcBef>
+              <a:spcAft>
+                <a:spcPts val="0"/>
+              </a:spcAft>
+              <a:buClrTx/>
+              <a:buSzTx/>
+              <a:buFontTx/>
+              <a:buNone/>
+              <a:tabLst/>
+              <a:defRPr/>
+            </a:pPr>
+            <a:endParaRPr kumimoji="0" lang="en-US" sz="1800" b="0" i="0" u="none" strike="noStrike" kern="1200" cap="none" spc="0" normalizeH="0" baseline="0" noProof="0">
+              <a:ln>
+                <a:noFill/>
+              </a:ln>
+              <a:solidFill>
+                <a:srgbClr val="000000"/>
+              </a:solidFill>
+              <a:effectLst/>
+              <a:uLnTx/>
+              <a:uFillTx/>
+              <a:latin typeface="Calibri" panose="020F0502020204030204"/>
+              <a:ea typeface="+mn-ea"/>
+              <a:cs typeface="+mn-cs"/>
+            </a:endParaRPr>
+          </a:p>
+        </p:txBody>
+      </p:sp>
+      <p:sp>
+        <p:nvSpPr>
+          <p:cNvPr id="2" name="Title 1">
+            <a:extLst>
+              <a:ext uri="{FF2B5EF4-FFF2-40B4-BE49-F238E27FC236}">
+                <a16:creationId xmlns:a16="http://schemas.microsoft.com/office/drawing/2014/main" id="{494A94AF-2B04-9C40-B311-CC59F907DEBF}"/>
+              </a:ext>
+            </a:extLst>
+          </p:cNvPr>
+          <p:cNvSpPr>
+            <a:spLocks noGrp="1"/>
+          </p:cNvSpPr>
+          <p:nvPr>
+            <p:ph type="title"/>
+          </p:nvPr>
+        </p:nvSpPr>
+        <p:spPr>
+          <a:xfrm>
+            <a:off x="838201" y="479493"/>
+            <a:ext cx="5257800" cy="1325563"/>
+          </a:xfrm>
+        </p:spPr>
+        <p:txBody>
+          <a:bodyPr>
+            <a:normAutofit/>
+          </a:bodyPr>
+          <a:lstStyle/>
+          <a:p>
+            <a:r>
+              <a:rPr lang="en-US"/>
+              <a:t>Background to the Project	</a:t>
+            </a:r>
           </a:p>
         </p:txBody>
       </p:sp>
@@ -11446,13 +11553,13 @@
         </p:nvSpPr>
         <p:spPr>
           <a:xfrm>
-            <a:off x="590719" y="2330505"/>
-            <a:ext cx="4559425" cy="3979585"/>
+            <a:off x="838201" y="1984443"/>
+            <a:ext cx="5257800" cy="4192520"/>
           </a:xfrm>
         </p:spPr>
         <p:txBody>
-          <a:bodyPr anchor="ctr">
-            <a:normAutofit/>
+          <a:bodyPr>
+            <a:normAutofit fontScale="92500" lnSpcReduction="20000"/>
           </a:bodyPr>
           <a:lstStyle/>
           <a:p>
@@ -11463,7 +11570,7 @@
               <a:buSzPts val="2000"/>
             </a:pPr>
             <a:r>
-              <a:rPr lang="en-US" sz="1300" dirty="0"/>
+              <a:rPr lang="en-US" sz="1800" dirty="0"/>
               <a:t>Clinical data collected from 13 anonymous patients – 10 with mitochondrial disease and 3 without the disease (as control)</a:t>
             </a:r>
           </a:p>
@@ -11472,7 +11579,7 @@
               <a:buSzPts val="2000"/>
             </a:pPr>
             <a:r>
-              <a:rPr lang="en-US" sz="1300" dirty="0"/>
+              <a:rPr lang="en-US" sz="1800" dirty="0"/>
               <a:t>Dataset produced by Imaging Mass Cytometry (IMC) in a prior study by Warren et al., 2021</a:t>
             </a:r>
           </a:p>
@@ -11481,7 +11588,7 @@
               <a:buSzPts val="2000"/>
             </a:pPr>
             <a:r>
-              <a:rPr lang="en-US" sz="1300" dirty="0"/>
+              <a:rPr lang="en-US" sz="1800" dirty="0"/>
               <a:t>They identified that a deficiency in oxidative phosphorylation proteins was a characteristic of mitochondrial disease.</a:t>
             </a:r>
           </a:p>
@@ -11490,7 +11597,7 @@
               <a:buSzPts val="2000"/>
             </a:pPr>
             <a:r>
-              <a:rPr lang="en-US" sz="1300" dirty="0"/>
+              <a:rPr lang="en-US" sz="1800" dirty="0"/>
               <a:t>Classification as having the Mitochondrial Disease was based on the proteins that are part of the respiratory chain (RC), which is a step in oxidative phosphorylation.</a:t>
             </a:r>
           </a:p>
@@ -11499,7 +11606,7 @@
               <a:buSzPts val="2000"/>
             </a:pPr>
             <a:r>
-              <a:rPr lang="en-US" sz="1300" dirty="0"/>
+              <a:rPr lang="en-US" sz="1800" dirty="0"/>
               <a:t>Looked at two proteins – NDUFA13 and NDUFB8 and their ability to be used to classify a fibre as RC deficient and non-RC deficient using unsupervised learning models:</a:t>
             </a:r>
           </a:p>
@@ -11508,12 +11615,8 @@
               <a:buSzPts val="2000"/>
             </a:pPr>
             <a:r>
-              <a:rPr lang="en-US" sz="1300" dirty="0" err="1"/>
-              <a:t>KMeans</a:t>
-            </a:r>
-            <a:r>
-              <a:rPr lang="en-US" sz="1300" dirty="0"/>
-              <a:t> Clustering</a:t>
+              <a:rPr lang="en-US" sz="1800" dirty="0"/>
+              <a:t>K-means Clustering</a:t>
             </a:r>
           </a:p>
           <a:p>
@@ -11521,190 +11624,123 @@
               <a:buSzPts val="2000"/>
             </a:pPr>
             <a:r>
-              <a:rPr lang="en-US" sz="1300" dirty="0"/>
+              <a:rPr lang="en-US" sz="1800" dirty="0"/>
               <a:t>Gaussian Mixture Model</a:t>
             </a:r>
           </a:p>
         </p:txBody>
       </p:sp>
-      <p:sp>
-        <p:nvSpPr>
-          <p:cNvPr id="21" name="Rectangle 17">
+      <p:grpSp>
+        <p:nvGrpSpPr>
+          <p:cNvPr id="6" name="Group 5">
             <a:extLst>
               <a:ext uri="{FF2B5EF4-FFF2-40B4-BE49-F238E27FC236}">
-                <a16:creationId xmlns:a16="http://schemas.microsoft.com/office/drawing/2014/main" id="{C13237C8-E62C-4F0D-A318-BD6FB6C2D138}"/>
-              </a:ext>
-              <a:ext uri="{C183D7F6-B498-43B3-948B-1728B52AA6E4}">
-                <adec:decorative xmlns:adec="http://schemas.microsoft.com/office/drawing/2017/decorative" val="1"/>
+                <a16:creationId xmlns:a16="http://schemas.microsoft.com/office/drawing/2014/main" id="{491B53E7-9933-B541-B69D-E22F5EEB8F13}"/>
               </a:ext>
             </a:extLst>
           </p:cNvPr>
-          <p:cNvSpPr>
-            <a:spLocks noGrp="1" noRot="1" noChangeAspect="1" noMove="1" noResize="1" noEditPoints="1" noAdjustHandles="1" noChangeArrowheads="1" noChangeShapeType="1" noTextEdit="1"/>
-          </p:cNvSpPr>
-          <p:nvPr>
-            <p:extLst>
-              <p:ext uri="{386F3935-93C4-4BCD-93E2-E3B085C9AB24}">
-                <p16:designElem xmlns:p16="http://schemas.microsoft.com/office/powerpoint/2015/main" val="1"/>
-              </p:ext>
-            </p:extLst>
-          </p:nvPr>
-        </p:nvSpPr>
-        <p:spPr>
-          <a:xfrm flipH="1">
-            <a:off x="10697670" y="0"/>
-            <a:ext cx="1494330" cy="6858000"/>
+          <p:cNvGrpSpPr/>
+          <p:nvPr/>
+        </p:nvGrpSpPr>
+        <p:grpSpPr>
+          <a:xfrm>
+            <a:off x="7214208" y="520749"/>
+            <a:ext cx="3431071" cy="5643794"/>
+            <a:chOff x="8089900" y="-571500"/>
+            <a:chExt cx="3605276" cy="7188200"/>
           </a:xfrm>
-          <a:prstGeom prst="rect">
-            <a:avLst/>
-          </a:prstGeom>
-          <a:solidFill>
-            <a:schemeClr val="accent4"/>
-          </a:solidFill>
-          <a:ln>
+        </p:grpSpPr>
+        <p:pic>
+          <p:nvPicPr>
+            <p:cNvPr id="5" name="Picture 2" descr="Figure 1">
+              <a:extLst>
+                <a:ext uri="{FF2B5EF4-FFF2-40B4-BE49-F238E27FC236}">
+                  <a16:creationId xmlns:a16="http://schemas.microsoft.com/office/drawing/2014/main" id="{86C313B2-B369-B641-BA0C-67F76D97FEBC}"/>
+                </a:ext>
+              </a:extLst>
+            </p:cNvPr>
+            <p:cNvPicPr>
+              <a:picLocks noChangeAspect="1" noChangeArrowheads="1"/>
+            </p:cNvPicPr>
+            <p:nvPr/>
+          </p:nvPicPr>
+          <p:blipFill rotWithShape="1">
+            <a:blip r:embed="rId3">
+              <a:extLst>
+                <a:ext uri="{28A0092B-C50C-407E-A947-70E740481C1C}">
+                  <a14:useLocalDpi xmlns:a14="http://schemas.microsoft.com/office/drawing/2010/main" val="0"/>
+                </a:ext>
+              </a:extLst>
+            </a:blip>
+            <a:srcRect l="39923" t="-212" r="1" b="19659"/>
+            <a:stretch/>
+          </p:blipFill>
+          <p:spPr bwMode="auto">
+            <a:xfrm>
+              <a:off x="8089900" y="-571500"/>
+              <a:ext cx="3605276" cy="7188200"/>
+            </a:xfrm>
+            <a:prstGeom prst="rect">
+              <a:avLst/>
+            </a:prstGeom>
             <a:noFill/>
-          </a:ln>
-        </p:spPr>
-        <p:style>
-          <a:lnRef idx="2">
-            <a:schemeClr val="accent1">
-              <a:shade val="50000"/>
-            </a:schemeClr>
-          </a:lnRef>
-          <a:fillRef idx="1">
-            <a:schemeClr val="accent1"/>
-          </a:fillRef>
-          <a:effectRef idx="0">
-            <a:schemeClr val="accent1"/>
-          </a:effectRef>
-          <a:fontRef idx="minor">
-            <a:schemeClr val="lt1"/>
-          </a:fontRef>
-        </p:style>
-        <p:txBody>
-          <a:bodyPr rtlCol="0" anchor="ctr"/>
-          <a:lstStyle/>
-          <a:p>
-            <a:pPr algn="ctr"/>
-            <a:endParaRPr lang="en-US"/>
-          </a:p>
-        </p:txBody>
-      </p:sp>
-      <p:sp>
-        <p:nvSpPr>
-          <p:cNvPr id="23" name="Rectangle 19">
             <a:extLst>
-              <a:ext uri="{FF2B5EF4-FFF2-40B4-BE49-F238E27FC236}">
-                <a16:creationId xmlns:a16="http://schemas.microsoft.com/office/drawing/2014/main" id="{19C9EAEA-39D0-4B0E-A0EB-51E7B26740B1}"/>
-              </a:ext>
-              <a:ext uri="{C183D7F6-B498-43B3-948B-1728B52AA6E4}">
-                <adec:decorative xmlns:adec="http://schemas.microsoft.com/office/drawing/2017/decorative" val="1"/>
+              <a:ext uri="{909E8E84-426E-40DD-AFC4-6F175D3DCCD1}">
+                <a14:hiddenFill xmlns:a14="http://schemas.microsoft.com/office/drawing/2010/main">
+                  <a:solidFill>
+                    <a:srgbClr val="FFFFFF"/>
+                  </a:solidFill>
+                </a14:hiddenFill>
               </a:ext>
             </a:extLst>
-          </p:cNvPr>
-          <p:cNvSpPr>
-            <a:spLocks noGrp="1" noRot="1" noChangeAspect="1" noMove="1" noResize="1" noEditPoints="1" noAdjustHandles="1" noChangeArrowheads="1" noChangeShapeType="1" noTextEdit="1"/>
-          </p:cNvSpPr>
-          <p:nvPr>
-            <p:extLst>
-              <p:ext uri="{386F3935-93C4-4BCD-93E2-E3B085C9AB24}">
-                <p16:designElem xmlns:p16="http://schemas.microsoft.com/office/powerpoint/2015/main" val="1"/>
-              </p:ext>
-            </p:extLst>
-          </p:nvPr>
-        </p:nvSpPr>
-        <p:spPr>
-          <a:xfrm>
-            <a:off x="5685810" y="513853"/>
-            <a:ext cx="6009366" cy="5834577"/>
-          </a:xfrm>
-          <a:prstGeom prst="rect">
-            <a:avLst/>
-          </a:prstGeom>
-          <a:solidFill>
-            <a:schemeClr val="bg1"/>
-          </a:solidFill>
-          <a:ln>
+          </p:spPr>
+        </p:pic>
+        <p:pic>
+          <p:nvPicPr>
+            <p:cNvPr id="24" name="Picture 2" descr="Figure 1">
+              <a:extLst>
+                <a:ext uri="{FF2B5EF4-FFF2-40B4-BE49-F238E27FC236}">
+                  <a16:creationId xmlns:a16="http://schemas.microsoft.com/office/drawing/2014/main" id="{10D11C47-9F41-4548-A2F9-2B31B6B94AAA}"/>
+                </a:ext>
+              </a:extLst>
+            </p:cNvPr>
+            <p:cNvPicPr>
+              <a:picLocks noChangeAspect="1" noChangeArrowheads="1"/>
+            </p:cNvPicPr>
+            <p:nvPr/>
+          </p:nvPicPr>
+          <p:blipFill rotWithShape="1">
+            <a:blip r:embed="rId3">
+              <a:extLst>
+                <a:ext uri="{28A0092B-C50C-407E-A947-70E740481C1C}">
+                  <a14:useLocalDpi xmlns:a14="http://schemas.microsoft.com/office/drawing/2010/main" val="0"/>
+                </a:ext>
+              </a:extLst>
+            </a:blip>
+            <a:srcRect l="70185" t="79629" r="1" b="1585"/>
+            <a:stretch/>
+          </p:blipFill>
+          <p:spPr bwMode="auto">
+            <a:xfrm>
+              <a:off x="8127999" y="4825999"/>
+              <a:ext cx="1814576" cy="1790701"/>
+            </a:xfrm>
+            <a:prstGeom prst="rect">
+              <a:avLst/>
+            </a:prstGeom>
             <a:noFill/>
-          </a:ln>
-          <a:effectLst>
-            <a:outerShdw blurRad="139700" dist="127000" dir="5400000" algn="t" rotWithShape="0">
-              <a:prstClr val="black">
-                <a:alpha val="15000"/>
-              </a:prstClr>
-            </a:outerShdw>
-          </a:effectLst>
-        </p:spPr>
-        <p:style>
-          <a:lnRef idx="2">
-            <a:schemeClr val="accent1">
-              <a:shade val="50000"/>
-            </a:schemeClr>
-          </a:lnRef>
-          <a:fillRef idx="1">
-            <a:schemeClr val="accent1"/>
-          </a:fillRef>
-          <a:effectRef idx="0">
-            <a:schemeClr val="accent1"/>
-          </a:effectRef>
-          <a:fontRef idx="minor">
-            <a:schemeClr val="lt1"/>
-          </a:fontRef>
-        </p:style>
-        <p:txBody>
-          <a:bodyPr rtlCol="0" anchor="ctr"/>
-          <a:lstStyle/>
-          <a:p>
-            <a:pPr algn="ctr"/>
-            <a:endParaRPr lang="en-US"/>
-          </a:p>
-        </p:txBody>
-      </p:sp>
-      <p:pic>
-        <p:nvPicPr>
-          <p:cNvPr id="5" name="Picture 2" descr="Figure 1">
             <a:extLst>
-              <a:ext uri="{FF2B5EF4-FFF2-40B4-BE49-F238E27FC236}">
-                <a16:creationId xmlns:a16="http://schemas.microsoft.com/office/drawing/2014/main" id="{86C313B2-B369-B641-BA0C-67F76D97FEBC}"/>
+              <a:ext uri="{909E8E84-426E-40DD-AFC4-6F175D3DCCD1}">
+                <a14:hiddenFill xmlns:a14="http://schemas.microsoft.com/office/drawing/2010/main">
+                  <a:solidFill>
+                    <a:srgbClr val="FFFFFF"/>
+                  </a:solidFill>
+                </a14:hiddenFill>
               </a:ext>
             </a:extLst>
-          </p:cNvPr>
-          <p:cNvPicPr>
-            <a:picLocks noChangeAspect="1" noChangeArrowheads="1"/>
-          </p:cNvPicPr>
-          <p:nvPr/>
-        </p:nvPicPr>
-        <p:blipFill rotWithShape="1">
-          <a:blip r:embed="rId3">
-            <a:extLst>
-              <a:ext uri="{28A0092B-C50C-407E-A947-70E740481C1C}">
-                <a14:useLocalDpi xmlns:a14="http://schemas.microsoft.com/office/drawing/2010/main" val="0"/>
-              </a:ext>
-            </a:extLst>
-          </a:blip>
-          <a:srcRect t="13205" r="1" b="21604"/>
-          <a:stretch/>
-        </p:blipFill>
-        <p:spPr bwMode="auto">
-          <a:xfrm>
-            <a:off x="5694051" y="537002"/>
-            <a:ext cx="6001125" cy="5817384"/>
-          </a:xfrm>
-          <a:prstGeom prst="rect">
-            <a:avLst/>
-          </a:prstGeom>
-          <a:noFill/>
-          <a:extLst>
-            <a:ext uri="{909E8E84-426E-40DD-AFC4-6F175D3DCCD1}">
-              <a14:hiddenFill xmlns:a14="http://schemas.microsoft.com/office/drawing/2010/main">
-                <a:solidFill>
-                  <a:srgbClr val="FFFFFF"/>
-                </a:solidFill>
-              </a14:hiddenFill>
-            </a:ext>
-          </a:extLst>
-        </p:spPr>
-      </p:pic>
+          </p:spPr>
+        </p:pic>
+      </p:grpSp>
     </p:spTree>
     <p:extLst>
       <p:ext uri="{BB962C8B-B14F-4D97-AF65-F5344CB8AC3E}">
@@ -12061,7 +12097,7 @@
         </p:blipFill>
         <p:spPr>
           <a:xfrm>
-            <a:off x="20" y="10"/>
+            <a:off x="20" y="-25390"/>
             <a:ext cx="12191980" cy="6857990"/>
           </a:xfrm>
           <a:prstGeom prst="rect">

--- a/Dissertation27:Aug/Presentation Diss.pptx
+++ b/Dissertation27:Aug/Presentation Diss.pptx
@@ -1648,10 +1648,10 @@
             <a:defRPr cap="all"/>
           </a:pPr>
           <a:r>
-            <a:rPr lang="en-GB"/>
-            <a:t>log(protein expression) for the 9 proteins of all the 9000 fibres</a:t>
+            <a:rPr lang="en-GB" dirty="0"/>
+            <a:t>log(protein expression) for the 8 proteins of all the 9000 fibres</a:t>
           </a:r>
-          <a:endParaRPr lang="en-US"/>
+          <a:endParaRPr lang="en-US" dirty="0"/>
         </a:p>
       </dgm:t>
     </dgm:pt>
@@ -1820,10 +1820,10 @@
             <a:defRPr cap="all"/>
           </a:pPr>
           <a:r>
-            <a:rPr lang="en-GB"/>
-            <a:t>Calculated proportions of fibres classified as RC deficient for each patient/control, followed by the proportion for each disease type.</a:t>
+            <a:rPr lang="en-GB" dirty="0"/>
+            <a:t>Calculated proportions of fibres classified as RC (Respiratory chain) deficient for each patient/control, followed by the proportion for each disease type.</a:t>
           </a:r>
-          <a:endParaRPr lang="en-US"/>
+          <a:endParaRPr lang="en-US" dirty="0"/>
         </a:p>
       </dgm:t>
     </dgm:pt>
@@ -2072,7 +2072,7 @@
   <dgm:whole/>
   <dgm:extLst>
     <a:ext uri="http://schemas.microsoft.com/office/drawing/2008/diagram">
-      <dsp:dataModelExt xmlns:dsp="http://schemas.microsoft.com/office/drawing/2008/diagram" relId="rId9" minVer="http://schemas.openxmlformats.org/drawingml/2006/diagram"/>
+      <dsp:dataModelExt xmlns:dsp="http://schemas.microsoft.com/office/drawing/2008/diagram" relId="rId7" minVer="http://schemas.openxmlformats.org/drawingml/2006/diagram"/>
     </a:ext>
   </dgm:extLst>
 </dgm:dataModel>
@@ -2223,10 +2223,10 @@
             <a:defRPr cap="all"/>
           </a:pPr>
           <a:r>
-            <a:rPr lang="en-GB" sz="1700" kern="1200"/>
-            <a:t>log(protein expression) for the 9 proteins of all the 9000 fibres</a:t>
+            <a:rPr lang="en-GB" sz="1700" kern="1200" dirty="0"/>
+            <a:t>log(protein expression) for the 8 proteins of all the 9000 fibres</a:t>
           </a:r>
-          <a:endParaRPr lang="en-US" sz="1700" kern="1200"/>
+          <a:endParaRPr lang="en-US" sz="1700" kern="1200" dirty="0"/>
         </a:p>
       </dsp:txBody>
       <dsp:txXfrm>
@@ -2815,10 +2815,10 @@
             <a:defRPr cap="all"/>
           </a:pPr>
           <a:r>
-            <a:rPr lang="en-GB" sz="1700" kern="1200"/>
-            <a:t>Calculated proportions of fibres classified as RC deficient for each patient/control, followed by the proportion for each disease type.</a:t>
+            <a:rPr lang="en-GB" sz="1700" kern="1200" dirty="0"/>
+            <a:t>Calculated proportions of fibres classified as RC (Respiratory chain) deficient for each patient/control, followed by the proportion for each disease type.</a:t>
           </a:r>
-          <a:endParaRPr lang="en-US" sz="1700" kern="1200"/>
+          <a:endParaRPr lang="en-US" sz="1700" kern="1200" dirty="0"/>
         </a:p>
       </dsp:txBody>
       <dsp:txXfrm>
@@ -6243,6 +6243,40 @@
           <a:bodyPr/>
           <a:lstStyle/>
           <a:p>
+            <a:pPr rtl="0">
+              <a:buSzPts val="2000"/>
+              <a:buFont typeface="Arial" panose="020B0604020202020204" pitchFamily="34" charset="0"/>
+              <a:buChar char="•"/>
+            </a:pPr>
+            <a:r>
+              <a:rPr lang="en-US" sz="1400" b="0" i="0" u="none" strike="noStrike" kern="1200" baseline="0" dirty="0">
+                <a:solidFill>
+                  <a:srgbClr val="000000"/>
+                </a:solidFill>
+                <a:latin typeface="Calibri" panose="020F0502020204030204" pitchFamily="34" charset="0"/>
+              </a:rPr>
+              <a:t>CI had almost 100% of </a:t>
+            </a:r>
+            <a:r>
+              <a:rPr lang="en-US" sz="1400" b="0" i="0" u="none" strike="noStrike" kern="1200" baseline="0" dirty="0" err="1">
+                <a:solidFill>
+                  <a:srgbClr val="000000"/>
+                </a:solidFill>
+                <a:latin typeface="Calibri" panose="020F0502020204030204" pitchFamily="34" charset="0"/>
+              </a:rPr>
+              <a:t>fibres</a:t>
+            </a:r>
+            <a:r>
+              <a:rPr lang="en-US" sz="1400" b="0" i="0" u="none" strike="noStrike" kern="1200" baseline="0" dirty="0">
+                <a:solidFill>
+                  <a:srgbClr val="000000"/>
+                </a:solidFill>
+                <a:latin typeface="Calibri" panose="020F0502020204030204" pitchFamily="34" charset="0"/>
+              </a:rPr>
+              <a:t> as RC deficient so this met expectations considering what we know about CI and the reactive chain.</a:t>
+            </a:r>
+          </a:p>
+          <a:p>
             <a:pPr marL="457200" marR="0" lvl="0" indent="-298450" algn="l" defTabSz="914400" rtl="0" eaLnBrk="1" fontAlgn="auto" latinLnBrk="0" hangingPunct="1">
               <a:lnSpc>
                 <a:spcPct val="100000"/>
@@ -6262,18 +6296,7 @@
               <a:tabLst/>
               <a:defRPr/>
             </a:pPr>
-            <a:r>
-              <a:rPr lang="en-US" dirty="0"/>
-              <a:t>CI had almost 100% of </a:t>
-            </a:r>
-            <a:r>
-              <a:rPr lang="en-US" dirty="0" err="1"/>
-              <a:t>fibres</a:t>
-            </a:r>
-            <a:r>
-              <a:rPr lang="en-US" dirty="0"/>
-              <a:t> as RC deficient so this met expectations considering what we know about CI and the reactive chain.</a:t>
-            </a:r>
+            <a:endParaRPr lang="en-US" sz="1400" b="0" dirty="0"/>
           </a:p>
         </p:txBody>
       </p:sp>
@@ -6679,15 +6702,15 @@
               <a:defRPr/>
             </a:pPr>
             <a:r>
-              <a:rPr lang="en-US" dirty="0"/>
+              <a:rPr lang="en-US" sz="2400" dirty="0"/>
               <a:t>CI had almost 100% of </a:t>
             </a:r>
             <a:r>
-              <a:rPr lang="en-US" dirty="0" err="1"/>
+              <a:rPr lang="en-US" sz="2400" dirty="0" err="1"/>
               <a:t>fibres</a:t>
             </a:r>
             <a:r>
-              <a:rPr lang="en-US" dirty="0"/>
+              <a:rPr lang="en-US" sz="2400" dirty="0"/>
               <a:t> as RC deficient so this met expectations considering what we know about CI and the reactive chain.</a:t>
             </a:r>
           </a:p>
@@ -10720,7 +10743,7 @@
             </a:pPr>
             <a:r>
               <a:rPr lang="en-US" b="1" dirty="0"/>
-              <a:t>PREDICTING FIBRE CLASSIFICATION FOR PATIENT AND CONTROL DATASETS USING CLUSTERING MODELS </a:t>
+              <a:t>PREDICTING FIBRE CLASSIFICATION FOR MITOCHONRIOAL DISEASE DATASETS USING CLUSTERING TECHNIQUES </a:t>
             </a:r>
             <a:br>
               <a:rPr lang="en-US" dirty="0"/>
@@ -10758,7 +10781,7 @@
         </p:spPr>
         <p:txBody>
           <a:bodyPr spcFirstLastPara="1" wrap="square" lIns="0" tIns="0" rIns="0" bIns="0" anchor="b" anchorCtr="0">
-            <a:normAutofit fontScale="97500"/>
+            <a:normAutofit fontScale="60000" lnSpcReduction="20000"/>
           </a:bodyPr>
           <a:lstStyle>
             <a:defPPr marR="0" lvl="0" algn="l" rtl="0">
@@ -11030,6 +11053,45 @@
               </a:rPr>
               <a:t>by  Frestie Ngongo</a:t>
             </a:r>
+          </a:p>
+          <a:p>
+            <a:pPr>
+              <a:buSzPct val="100000"/>
+            </a:pPr>
+            <a:endParaRPr lang="en-US" sz="2400" dirty="0">
+              <a:latin typeface="Apple Chancery" panose="03020702040506060504" pitchFamily="66" charset="-79"/>
+              <a:cs typeface="Apple Chancery" panose="03020702040506060504" pitchFamily="66" charset="-79"/>
+            </a:endParaRPr>
+          </a:p>
+          <a:p>
+            <a:pPr>
+              <a:buSzPct val="100000"/>
+            </a:pPr>
+            <a:r>
+              <a:rPr lang="en-US" sz="2400" dirty="0" err="1">
+                <a:latin typeface="Apple Chancery" panose="03020702040506060504" pitchFamily="66" charset="-79"/>
+                <a:cs typeface="Apple Chancery" panose="03020702040506060504" pitchFamily="66" charset="-79"/>
+              </a:rPr>
+              <a:t>Classification_of_fibres</a:t>
+            </a:r>
+            <a:r>
+              <a:rPr lang="en-US" sz="2400" dirty="0">
+                <a:latin typeface="Apple Chancery" panose="03020702040506060504" pitchFamily="66" charset="-79"/>
+                <a:cs typeface="Apple Chancery" panose="03020702040506060504" pitchFamily="66" charset="-79"/>
+              </a:rPr>
+              <a:t> from the </a:t>
+            </a:r>
+            <a:r>
+              <a:rPr lang="en-US" sz="2400" dirty="0" err="1">
+                <a:latin typeface="Apple Chancery" panose="03020702040506060504" pitchFamily="66" charset="-79"/>
+                <a:cs typeface="Apple Chancery" panose="03020702040506060504" pitchFamily="66" charset="-79"/>
+              </a:rPr>
+              <a:t>mitochondrial_disease_dataset_using_Clustering_techniques</a:t>
+            </a:r>
+            <a:endParaRPr lang="en-US" sz="2400" dirty="0">
+              <a:latin typeface="Apple Chancery" panose="03020702040506060504" pitchFamily="66" charset="-79"/>
+              <a:cs typeface="Apple Chancery" panose="03020702040506060504" pitchFamily="66" charset="-79"/>
+            </a:endParaRPr>
           </a:p>
         </p:txBody>
       </p:sp>
@@ -11628,6 +11690,12 @@
               <a:t>Gaussian Mixture Model</a:t>
             </a:r>
           </a:p>
+          <a:p>
+            <a:pPr marL="685800" lvl="1" indent="-228600">
+              <a:buSzPts val="2000"/>
+            </a:pPr>
+            <a:endParaRPr lang="en-US" sz="1800" dirty="0"/>
+          </a:p>
         </p:txBody>
       </p:sp>
       <p:grpSp>
@@ -11902,7 +11970,7 @@
             <a:pPr marL="0" lvl="0" indent="0"/>
             <a:r>
               <a:rPr lang="en-GB" sz="1800" dirty="0"/>
-              <a:t>Both are part of complex I (CI) of the respiratory chain and are used in the oxidative phosphorylation process during the transfer of electrons in the respiratory chain for the release of energy for the cell.</a:t>
+              <a:t>Both are part of Complex I (CI) of the respiratory chain and are used in the oxidative phosphorylation process during the transfer of electrons in the respiratory chain for the release of energy for the cell.</a:t>
             </a:r>
           </a:p>
           <a:p>
@@ -11916,7 +11984,7 @@
             <a:pPr marL="0" lvl="0" indent="0"/>
             <a:r>
               <a:rPr lang="en-GB" sz="1800" dirty="0"/>
-              <a:t>Using these proteins because complex I (CI) is known to be deficient in patients with mitochondrial diseases, which would correlate with deficiencies of these proteins, hence causing a deficiency in the respiratory chain.</a:t>
+              <a:t>Using these proteins because complex I (CI) is known to be deficient in patients with mitochondrial diseases, which would correlate with deficiencies of these proteins, hence a deficiency in the respiratory chain protein.</a:t>
             </a:r>
           </a:p>
         </p:txBody>
@@ -12316,7 +12384,7 @@
             <p:ph idx="1"/>
             <p:extLst>
               <p:ext uri="{D42A27DB-BD31-4B8C-83A1-F6EECF244321}">
-                <p14:modId xmlns:p14="http://schemas.microsoft.com/office/powerpoint/2010/main" val="609246829"/>
+                <p14:modId xmlns:p14="http://schemas.microsoft.com/office/powerpoint/2010/main" val="850918641"/>
               </p:ext>
             </p:extLst>
           </p:nvPr>
@@ -21126,72 +21194,6 @@
           </a:p>
         </p:txBody>
       </p:sp>
-      <p:pic>
-        <p:nvPicPr>
-          <p:cNvPr id="8" name="Shape 8">
-            <a:extLst>
-              <a:ext uri="{FF2B5EF4-FFF2-40B4-BE49-F238E27FC236}">
-                <a16:creationId xmlns:a16="http://schemas.microsoft.com/office/drawing/2014/main" id="{A3D8A459-3719-A742-B442-CCDE0569A168}"/>
-              </a:ext>
-            </a:extLst>
-          </p:cNvPr>
-          <p:cNvPicPr preferRelativeResize="0"/>
-          <p:nvPr/>
-        </p:nvPicPr>
-        <p:blipFill rotWithShape="1">
-          <a:blip r:embed="rId3">
-            <a:alphaModFix/>
-          </a:blip>
-          <a:srcRect/>
-          <a:stretch/>
-        </p:blipFill>
-        <p:spPr>
-          <a:xfrm>
-            <a:off x="7835900" y="3516097"/>
-            <a:ext cx="3728622" cy="3252439"/>
-          </a:xfrm>
-          <a:prstGeom prst="rect">
-            <a:avLst/>
-          </a:prstGeom>
-          <a:noFill/>
-          <a:ln>
-            <a:noFill/>
-          </a:ln>
-        </p:spPr>
-      </p:pic>
-      <p:pic>
-        <p:nvPicPr>
-          <p:cNvPr id="9" name="Shape 7" descr="Chart, scatter chart&#10;&#10;Description automatically generated">
-            <a:extLst>
-              <a:ext uri="{FF2B5EF4-FFF2-40B4-BE49-F238E27FC236}">
-                <a16:creationId xmlns:a16="http://schemas.microsoft.com/office/drawing/2014/main" id="{A1C29FDC-6227-1B48-A7E4-C8792B65DE73}"/>
-              </a:ext>
-            </a:extLst>
-          </p:cNvPr>
-          <p:cNvPicPr preferRelativeResize="0"/>
-          <p:nvPr/>
-        </p:nvPicPr>
-        <p:blipFill rotWithShape="1">
-          <a:blip r:embed="rId4">
-            <a:alphaModFix/>
-          </a:blip>
-          <a:srcRect/>
-          <a:stretch/>
-        </p:blipFill>
-        <p:spPr>
-          <a:xfrm>
-            <a:off x="7835900" y="174196"/>
-            <a:ext cx="3728622" cy="3252438"/>
-          </a:xfrm>
-          <a:prstGeom prst="rect">
-            <a:avLst/>
-          </a:prstGeom>
-          <a:noFill/>
-          <a:ln>
-            <a:noFill/>
-          </a:ln>
-        </p:spPr>
-      </p:pic>
       <p:graphicFrame>
         <p:nvGraphicFramePr>
           <p:cNvPr id="2" name="Diagram 1">
@@ -21216,10 +21218,76 @@
         </p:xfrm>
         <a:graphic>
           <a:graphicData uri="http://schemas.openxmlformats.org/drawingml/2006/diagram">
-            <dgm:relIds xmlns:dgm="http://schemas.openxmlformats.org/drawingml/2006/diagram" xmlns:r="http://schemas.openxmlformats.org/officeDocument/2006/relationships" r:dm="rId5" r:lo="rId6" r:qs="rId7" r:cs="rId8"/>
+            <dgm:relIds xmlns:dgm="http://schemas.openxmlformats.org/drawingml/2006/diagram" xmlns:r="http://schemas.openxmlformats.org/officeDocument/2006/relationships" r:dm="rId3" r:lo="rId4" r:qs="rId5" r:cs="rId6"/>
           </a:graphicData>
         </a:graphic>
       </p:graphicFrame>
+      <p:pic>
+        <p:nvPicPr>
+          <p:cNvPr id="13" name="Shape 20" descr="Chart, scatter chart&#10;&#10;Description automatically generated">
+            <a:extLst>
+              <a:ext uri="{FF2B5EF4-FFF2-40B4-BE49-F238E27FC236}">
+                <a16:creationId xmlns:a16="http://schemas.microsoft.com/office/drawing/2014/main" id="{4D1267DB-594B-4343-B672-1B4FBFEE6D84}"/>
+              </a:ext>
+            </a:extLst>
+          </p:cNvPr>
+          <p:cNvPicPr preferRelativeResize="0"/>
+          <p:nvPr/>
+        </p:nvPicPr>
+        <p:blipFill rotWithShape="1">
+          <a:blip r:embed="rId8">
+            <a:alphaModFix/>
+          </a:blip>
+          <a:srcRect/>
+          <a:stretch/>
+        </p:blipFill>
+        <p:spPr>
+          <a:xfrm>
+            <a:off x="7835899" y="174196"/>
+            <a:ext cx="3728623" cy="3252437"/>
+          </a:xfrm>
+          <a:prstGeom prst="rect">
+            <a:avLst/>
+          </a:prstGeom>
+          <a:noFill/>
+          <a:ln>
+            <a:noFill/>
+          </a:ln>
+        </p:spPr>
+      </p:pic>
+      <p:pic>
+        <p:nvPicPr>
+          <p:cNvPr id="15" name="Shape 21" descr="Chart, scatter chart&#10;&#10;Description automatically generated">
+            <a:extLst>
+              <a:ext uri="{FF2B5EF4-FFF2-40B4-BE49-F238E27FC236}">
+                <a16:creationId xmlns:a16="http://schemas.microsoft.com/office/drawing/2014/main" id="{D8646EF3-E65F-0C48-BBBA-29452A24A3FC}"/>
+              </a:ext>
+            </a:extLst>
+          </p:cNvPr>
+          <p:cNvPicPr preferRelativeResize="0"/>
+          <p:nvPr/>
+        </p:nvPicPr>
+        <p:blipFill rotWithShape="1">
+          <a:blip r:embed="rId9">
+            <a:alphaModFix/>
+          </a:blip>
+          <a:srcRect/>
+          <a:stretch/>
+        </p:blipFill>
+        <p:spPr>
+          <a:xfrm>
+            <a:off x="7835899" y="3516098"/>
+            <a:ext cx="3728621" cy="3252437"/>
+          </a:xfrm>
+          <a:prstGeom prst="rect">
+            <a:avLst/>
+          </a:prstGeom>
+          <a:noFill/>
+          <a:ln>
+            <a:noFill/>
+          </a:ln>
+        </p:spPr>
+      </p:pic>
     </p:spTree>
   </p:cSld>
   <p:clrMapOvr>

--- a/Dissertation27:Aug/Presentation Diss.pptx
+++ b/Dissertation27:Aug/Presentation Diss.pptx
@@ -2072,7 +2072,7 @@
   <dgm:whole/>
   <dgm:extLst>
     <a:ext uri="http://schemas.microsoft.com/office/drawing/2008/diagram">
-      <dsp:dataModelExt xmlns:dsp="http://schemas.microsoft.com/office/drawing/2008/diagram" relId="rId7" minVer="http://schemas.openxmlformats.org/drawingml/2006/diagram"/>
+      <dsp:dataModelExt xmlns:dsp="http://schemas.microsoft.com/office/drawing/2008/diagram" relId="rId8" minVer="http://schemas.openxmlformats.org/drawingml/2006/diagram"/>
     </a:ext>
   </dgm:extLst>
 </dgm:dataModel>
@@ -10655,7 +10655,7 @@
         </p:nvSpPr>
         <p:spPr>
           <a:xfrm>
-            <a:off x="0" y="0"/>
+            <a:off x="0" y="38100"/>
             <a:ext cx="12192000" cy="6858000"/>
           </a:xfrm>
           <a:prstGeom prst="rect">
@@ -10724,26 +10724,21 @@
           </a:bodyPr>
           <a:lstStyle/>
           <a:p>
-            <a:pPr marL="0" lvl="0" indent="0" algn="ctr" rtl="0">
+            <a:pPr lvl="0">
               <a:lnSpc>
                 <a:spcPct val="88000"/>
               </a:lnSpc>
               <a:spcBef>
                 <a:spcPts val="0"/>
               </a:spcBef>
-              <a:spcAft>
-                <a:spcPts val="0"/>
-              </a:spcAft>
               <a:buClr>
                 <a:schemeClr val="lt1"/>
               </a:buClr>
               <a:buSzPct val="100000"/>
-              <a:buFont typeface="Arial"/>
-              <a:buNone/>
             </a:pPr>
             <a:r>
               <a:rPr lang="en-US" b="1" dirty="0"/>
-              <a:t>PREDICTING FIBRE CLASSIFICATION FOR MITOCHONRIOAL DISEASE DATASETS USING CLUSTERING TECHNIQUES </a:t>
+              <a:t>CLASSIFICATION OF FIBRES FROM THE  MITOCHONRIOAL DISEASE DATASET USING CLUSTERING TECHNIQUES </a:t>
             </a:r>
             <a:br>
               <a:rPr lang="en-US" dirty="0"/>
@@ -10781,7 +10776,7 @@
         </p:spPr>
         <p:txBody>
           <a:bodyPr spcFirstLastPara="1" wrap="square" lIns="0" tIns="0" rIns="0" bIns="0" anchor="b" anchorCtr="0">
-            <a:normAutofit fontScale="60000" lnSpcReduction="20000"/>
+            <a:normAutofit fontScale="90000"/>
           </a:bodyPr>
           <a:lstStyle>
             <a:defPPr marR="0" lvl="0" algn="l" rtl="0">
@@ -11039,7 +11034,7 @@
                 <a:latin typeface="Apple Chancery" panose="03020702040506060504" pitchFamily="66" charset="-79"/>
                 <a:cs typeface="Apple Chancery" panose="03020702040506060504" pitchFamily="66" charset="-79"/>
               </a:rPr>
-              <a:t>MSc Data Science Project and dissertation 2020/21 </a:t>
+              <a:t>CSC8639 - MSc Data Science Project and dissertation 2020/21 </a:t>
             </a:r>
           </a:p>
           <a:p>
@@ -11053,45 +11048,6 @@
               </a:rPr>
               <a:t>by  Frestie Ngongo</a:t>
             </a:r>
-          </a:p>
-          <a:p>
-            <a:pPr>
-              <a:buSzPct val="100000"/>
-            </a:pPr>
-            <a:endParaRPr lang="en-US" sz="2400" dirty="0">
-              <a:latin typeface="Apple Chancery" panose="03020702040506060504" pitchFamily="66" charset="-79"/>
-              <a:cs typeface="Apple Chancery" panose="03020702040506060504" pitchFamily="66" charset="-79"/>
-            </a:endParaRPr>
-          </a:p>
-          <a:p>
-            <a:pPr>
-              <a:buSzPct val="100000"/>
-            </a:pPr>
-            <a:r>
-              <a:rPr lang="en-US" sz="2400" dirty="0" err="1">
-                <a:latin typeface="Apple Chancery" panose="03020702040506060504" pitchFamily="66" charset="-79"/>
-                <a:cs typeface="Apple Chancery" panose="03020702040506060504" pitchFamily="66" charset="-79"/>
-              </a:rPr>
-              <a:t>Classification_of_fibres</a:t>
-            </a:r>
-            <a:r>
-              <a:rPr lang="en-US" sz="2400" dirty="0">
-                <a:latin typeface="Apple Chancery" panose="03020702040506060504" pitchFamily="66" charset="-79"/>
-                <a:cs typeface="Apple Chancery" panose="03020702040506060504" pitchFamily="66" charset="-79"/>
-              </a:rPr>
-              <a:t> from the </a:t>
-            </a:r>
-            <a:r>
-              <a:rPr lang="en-US" sz="2400" dirty="0" err="1">
-                <a:latin typeface="Apple Chancery" panose="03020702040506060504" pitchFamily="66" charset="-79"/>
-                <a:cs typeface="Apple Chancery" panose="03020702040506060504" pitchFamily="66" charset="-79"/>
-              </a:rPr>
-              <a:t>mitochondrial_disease_dataset_using_Clustering_techniques</a:t>
-            </a:r>
-            <a:endParaRPr lang="en-US" sz="2400" dirty="0">
-              <a:latin typeface="Apple Chancery" panose="03020702040506060504" pitchFamily="66" charset="-79"/>
-              <a:cs typeface="Apple Chancery" panose="03020702040506060504" pitchFamily="66" charset="-79"/>
-            </a:endParaRPr>
           </a:p>
         </p:txBody>
       </p:sp>
@@ -20958,7 +20914,9 @@
       </p:sp>
       <p:sp>
         <p:nvSpPr>
-          <p:cNvPr id="139" name="Google Shape;139;p6"/>
+          <p:cNvPr id="139" name="Google Shape;139;p6">
+            <a:hlinkClick r:id="rId3" tooltip="GitHub"/>
+          </p:cNvPr>
           <p:cNvSpPr/>
           <p:nvPr/>
         </p:nvSpPr>
@@ -21056,7 +21014,7 @@
         <p:spPr>
           <a:xfrm>
             <a:off x="424861" y="1435100"/>
-            <a:ext cx="6622913" cy="4803700"/>
+            <a:ext cx="6622913" cy="4330700"/>
           </a:xfrm>
           <a:prstGeom prst="rect">
             <a:avLst/>
@@ -21218,7 +21176,7 @@
         </p:xfrm>
         <a:graphic>
           <a:graphicData uri="http://schemas.openxmlformats.org/drawingml/2006/diagram">
-            <dgm:relIds xmlns:dgm="http://schemas.openxmlformats.org/drawingml/2006/diagram" xmlns:r="http://schemas.openxmlformats.org/officeDocument/2006/relationships" r:dm="rId3" r:lo="rId4" r:qs="rId5" r:cs="rId6"/>
+            <dgm:relIds xmlns:dgm="http://schemas.openxmlformats.org/drawingml/2006/diagram" xmlns:r="http://schemas.openxmlformats.org/officeDocument/2006/relationships" r:dm="rId4" r:lo="rId5" r:qs="rId6" r:cs="rId7"/>
           </a:graphicData>
         </a:graphic>
       </p:graphicFrame>
@@ -21235,7 +21193,7 @@
           <p:nvPr/>
         </p:nvPicPr>
         <p:blipFill rotWithShape="1">
-          <a:blip r:embed="rId8">
+          <a:blip r:embed="rId9">
             <a:alphaModFix/>
           </a:blip>
           <a:srcRect/>
@@ -21268,7 +21226,7 @@
           <p:nvPr/>
         </p:nvPicPr>
         <p:blipFill rotWithShape="1">
-          <a:blip r:embed="rId9">
+          <a:blip r:embed="rId10">
             <a:alphaModFix/>
           </a:blip>
           <a:srcRect/>
@@ -21288,6 +21246,57 @@
           </a:ln>
         </p:spPr>
       </p:pic>
+      <p:sp>
+        <p:nvSpPr>
+          <p:cNvPr id="3" name="TextBox 2">
+            <a:extLst>
+              <a:ext uri="{FF2B5EF4-FFF2-40B4-BE49-F238E27FC236}">
+                <a16:creationId xmlns:a16="http://schemas.microsoft.com/office/drawing/2014/main" id="{90DFE8AC-2992-E644-BAC9-D9F94CB6C937}"/>
+              </a:ext>
+            </a:extLst>
+          </p:cNvPr>
+          <p:cNvSpPr txBox="1"/>
+          <p:nvPr/>
+        </p:nvSpPr>
+        <p:spPr>
+          <a:xfrm>
+            <a:off x="3459580" y="5765800"/>
+            <a:ext cx="896522" cy="369332"/>
+          </a:xfrm>
+          <a:prstGeom prst="rect">
+            <a:avLst/>
+          </a:prstGeom>
+          <a:noFill/>
+        </p:spPr>
+        <p:txBody>
+          <a:bodyPr wrap="square" rtlCol="0">
+            <a:spAutoFit/>
+          </a:bodyPr>
+          <a:lstStyle/>
+          <a:p>
+            <a:r>
+              <a:rPr lang="en-US" dirty="0">
+                <a:solidFill>
+                  <a:schemeClr val="bg1"/>
+                </a:solidFill>
+                <a:hlinkClick r:id="rId3">
+                  <a:extLst>
+                    <a:ext uri="{A12FA001-AC4F-418D-AE19-62706E023703}">
+                      <ahyp:hlinkClr xmlns:ahyp="http://schemas.microsoft.com/office/drawing/2018/hyperlinkcolor" val="tx"/>
+                    </a:ext>
+                  </a:extLst>
+                </a:hlinkClick>
+              </a:rPr>
+              <a:t>GitHub</a:t>
+            </a:r>
+            <a:endParaRPr lang="en-US" dirty="0">
+              <a:solidFill>
+                <a:schemeClr val="bg1"/>
+              </a:solidFill>
+            </a:endParaRPr>
+          </a:p>
+        </p:txBody>
+      </p:sp>
     </p:spTree>
   </p:cSld>
   <p:clrMapOvr>
